--- a/Yelp.pptx
+++ b/Yelp.pptx
@@ -13,6 +13,14 @@
     <p:sldId id="260" r:id="rId7"/>
     <p:sldId id="261" r:id="rId8"/>
     <p:sldId id="262" r:id="rId9"/>
+    <p:sldId id="265" r:id="rId10"/>
+    <p:sldId id="266" r:id="rId11"/>
+    <p:sldId id="267" r:id="rId12"/>
+    <p:sldId id="268" r:id="rId13"/>
+    <p:sldId id="269" r:id="rId14"/>
+    <p:sldId id="270" r:id="rId15"/>
+    <p:sldId id="271" r:id="rId16"/>
+    <p:sldId id="272" r:id="rId17"/>
   </p:sldIdLst>
   <p:sldSz cx="9144000" cy="6858000" type="screen4x3"/>
   <p:notesSz cx="6858000" cy="9144000"/>
@@ -772,7 +780,7 @@
           <a:p>
             <a:fld id="{812531F0-06BF-4976-940A-474E2BF80098}" type="datetimeFigureOut">
               <a:rPr lang="en-US" smtClean="0"/>
-              <a:t>12/20/2017</a:t>
+              <a:t>12/21/2017</a:t>
             </a:fld>
             <a:endParaRPr lang="en-US"/>
           </a:p>
@@ -955,7 +963,7 @@
           <a:p>
             <a:fld id="{812531F0-06BF-4976-940A-474E2BF80098}" type="datetimeFigureOut">
               <a:rPr lang="en-US" smtClean="0"/>
-              <a:t>12/20/2017</a:t>
+              <a:t>12/21/2017</a:t>
             </a:fld>
             <a:endParaRPr lang="en-US"/>
           </a:p>
@@ -1130,7 +1138,7 @@
           <a:p>
             <a:fld id="{812531F0-06BF-4976-940A-474E2BF80098}" type="datetimeFigureOut">
               <a:rPr lang="en-US" smtClean="0"/>
-              <a:t>12/20/2017</a:t>
+              <a:t>12/21/2017</a:t>
             </a:fld>
             <a:endParaRPr lang="en-US"/>
           </a:p>
@@ -1295,7 +1303,7 @@
           <a:p>
             <a:fld id="{812531F0-06BF-4976-940A-474E2BF80098}" type="datetimeFigureOut">
               <a:rPr lang="en-US" smtClean="0"/>
-              <a:t>12/20/2017</a:t>
+              <a:t>12/21/2017</a:t>
             </a:fld>
             <a:endParaRPr lang="en-US"/>
           </a:p>
@@ -1516,7 +1524,7 @@
           <a:p>
             <a:fld id="{812531F0-06BF-4976-940A-474E2BF80098}" type="datetimeFigureOut">
               <a:rPr lang="en-US" smtClean="0"/>
-              <a:t>12/20/2017</a:t>
+              <a:t>12/21/2017</a:t>
             </a:fld>
             <a:endParaRPr lang="en-US"/>
           </a:p>
@@ -1775,7 +1783,7 @@
           <a:p>
             <a:fld id="{812531F0-06BF-4976-940A-474E2BF80098}" type="datetimeFigureOut">
               <a:rPr lang="en-US" smtClean="0"/>
-              <a:t>12/20/2017</a:t>
+              <a:t>12/21/2017</a:t>
             </a:fld>
             <a:endParaRPr lang="en-US"/>
           </a:p>
@@ -2179,7 +2187,7 @@
           <a:p>
             <a:fld id="{812531F0-06BF-4976-940A-474E2BF80098}" type="datetimeFigureOut">
               <a:rPr lang="en-US" smtClean="0"/>
-              <a:t>12/20/2017</a:t>
+              <a:t>12/21/2017</a:t>
             </a:fld>
             <a:endParaRPr lang="en-US"/>
           </a:p>
@@ -2310,7 +2318,7 @@
           <a:p>
             <a:fld id="{812531F0-06BF-4976-940A-474E2BF80098}" type="datetimeFigureOut">
               <a:rPr lang="en-US" smtClean="0"/>
-              <a:t>12/20/2017</a:t>
+              <a:t>12/21/2017</a:t>
             </a:fld>
             <a:endParaRPr lang="en-US"/>
           </a:p>
@@ -2410,7 +2418,7 @@
           <a:p>
             <a:fld id="{812531F0-06BF-4976-940A-474E2BF80098}" type="datetimeFigureOut">
               <a:rPr lang="en-US" smtClean="0"/>
-              <a:t>12/20/2017</a:t>
+              <a:t>12/21/2017</a:t>
             </a:fld>
             <a:endParaRPr lang="en-US"/>
           </a:p>
@@ -2655,7 +2663,7 @@
           <a:p>
             <a:fld id="{812531F0-06BF-4976-940A-474E2BF80098}" type="datetimeFigureOut">
               <a:rPr lang="en-US" smtClean="0"/>
-              <a:t>12/20/2017</a:t>
+              <a:t>12/21/2017</a:t>
             </a:fld>
             <a:endParaRPr lang="en-US"/>
           </a:p>
@@ -2899,7 +2907,7 @@
           <a:p>
             <a:fld id="{812531F0-06BF-4976-940A-474E2BF80098}" type="datetimeFigureOut">
               <a:rPr lang="en-US" smtClean="0"/>
-              <a:t>12/20/2017</a:t>
+              <a:t>12/21/2017</a:t>
             </a:fld>
             <a:endParaRPr lang="en-US"/>
           </a:p>
@@ -3723,7 +3731,7 @@
           <a:p>
             <a:fld id="{812531F0-06BF-4976-940A-474E2BF80098}" type="datetimeFigureOut">
               <a:rPr lang="en-US" smtClean="0"/>
-              <a:t>12/20/2017</a:t>
+              <a:t>12/21/2017</a:t>
             </a:fld>
             <a:endParaRPr lang="en-US"/>
           </a:p>
@@ -4183,6 +4191,1307 @@
 </p:sld>
 </file>
 
+<file path=ppt/slides/slide10.xml><?xml version="1.0" encoding="utf-8"?>
+<p:sld xmlns:a="http://schemas.openxmlformats.org/drawingml/2006/main" xmlns:r="http://schemas.openxmlformats.org/officeDocument/2006/relationships" xmlns:p="http://schemas.openxmlformats.org/presentationml/2006/main">
+  <p:cSld>
+    <p:spTree>
+      <p:nvGrpSpPr>
+        <p:cNvPr id="1" name=""/>
+        <p:cNvGrpSpPr/>
+        <p:nvPr/>
+      </p:nvGrpSpPr>
+      <p:grpSpPr>
+        <a:xfrm>
+          <a:off x="0" y="0"/>
+          <a:ext cx="0" cy="0"/>
+          <a:chOff x="0" y="0"/>
+          <a:chExt cx="0" cy="0"/>
+        </a:xfrm>
+      </p:grpSpPr>
+      <p:sp>
+        <p:nvSpPr>
+          <p:cNvPr id="2" name="Title 1"/>
+          <p:cNvSpPr>
+            <a:spLocks noGrp="1"/>
+          </p:cNvSpPr>
+          <p:nvPr>
+            <p:ph type="title"/>
+          </p:nvPr>
+        </p:nvSpPr>
+        <p:spPr/>
+        <p:txBody>
+          <a:bodyPr/>
+          <a:lstStyle/>
+          <a:p>
+            <a:r>
+              <a:rPr lang="en-US" dirty="0"/>
+              <a:t>Use Tool </a:t>
+            </a:r>
+            <a:r>
+              <a:rPr lang="en-US" dirty="0" err="1"/>
+              <a:t>cont’l</a:t>
+            </a:r>
+            <a:endParaRPr lang="en-US" dirty="0"/>
+          </a:p>
+        </p:txBody>
+      </p:sp>
+      <p:sp>
+        <p:nvSpPr>
+          <p:cNvPr id="3" name="Content Placeholder 2"/>
+          <p:cNvSpPr>
+            <a:spLocks noGrp="1"/>
+          </p:cNvSpPr>
+          <p:nvPr>
+            <p:ph idx="1"/>
+          </p:nvPr>
+        </p:nvSpPr>
+        <p:spPr/>
+        <p:txBody>
+          <a:bodyPr/>
+          <a:lstStyle/>
+          <a:p>
+            <a:r>
+              <a:rPr lang="en-US" dirty="0" smtClean="0"/>
+              <a:t>Once yelp_clean.py complete</a:t>
+            </a:r>
+          </a:p>
+          <a:p>
+            <a:r>
+              <a:rPr lang="en-US" dirty="0" smtClean="0"/>
+              <a:t>Terminal command:</a:t>
+            </a:r>
+          </a:p>
+          <a:p>
+            <a:pPr lvl="1"/>
+            <a:r>
+              <a:rPr lang="en-US" dirty="0" smtClean="0"/>
+              <a:t>$ python yelp_classify.py</a:t>
+            </a:r>
+          </a:p>
+          <a:p>
+            <a:pPr lvl="1"/>
+            <a:r>
+              <a:rPr lang="en-US" dirty="0"/>
+              <a:t>Terminal output:</a:t>
+            </a:r>
+          </a:p>
+          <a:p>
+            <a:pPr lvl="2"/>
+            <a:r>
+              <a:rPr lang="en-US" dirty="0" smtClean="0"/>
+              <a:t>yelp_classify.py</a:t>
+            </a:r>
+            <a:r>
+              <a:rPr lang="en-US" dirty="0"/>
+              <a:t>::</a:t>
+            </a:r>
+            <a:r>
+              <a:rPr lang="en-US" dirty="0" smtClean="0"/>
+              <a:t>starting</a:t>
+            </a:r>
+          </a:p>
+          <a:p>
+            <a:pPr lvl="2"/>
+            <a:r>
+              <a:rPr lang="en-US" dirty="0" smtClean="0"/>
+              <a:t>(Metrics of both classifiers used, output)</a:t>
+            </a:r>
+            <a:endParaRPr lang="en-US" dirty="0"/>
+          </a:p>
+          <a:p>
+            <a:pPr lvl="2"/>
+            <a:r>
+              <a:rPr lang="en-US" dirty="0"/>
+              <a:t>yelp_classify.py </a:t>
+            </a:r>
+            <a:r>
+              <a:rPr lang="en-US" dirty="0" smtClean="0"/>
+              <a:t>::completed</a:t>
+            </a:r>
+          </a:p>
+          <a:p>
+            <a:pPr marL="411480" lvl="1" indent="0">
+              <a:buNone/>
+            </a:pPr>
+            <a:endParaRPr lang="en-US" dirty="0" smtClean="0"/>
+          </a:p>
+          <a:p>
+            <a:pPr lvl="1"/>
+            <a:endParaRPr lang="en-US" dirty="0"/>
+          </a:p>
+        </p:txBody>
+      </p:sp>
+    </p:spTree>
+    <p:extLst>
+      <p:ext uri="{BB962C8B-B14F-4D97-AF65-F5344CB8AC3E}">
+        <p14:creationId xmlns:p14="http://schemas.microsoft.com/office/powerpoint/2010/main" val="3284062242"/>
+      </p:ext>
+    </p:extLst>
+  </p:cSld>
+  <p:clrMapOvr>
+    <a:masterClrMapping/>
+  </p:clrMapOvr>
+</p:sld>
+</file>
+
+<file path=ppt/slides/slide11.xml><?xml version="1.0" encoding="utf-8"?>
+<p:sld xmlns:a="http://schemas.openxmlformats.org/drawingml/2006/main" xmlns:r="http://schemas.openxmlformats.org/officeDocument/2006/relationships" xmlns:p="http://schemas.openxmlformats.org/presentationml/2006/main">
+  <p:cSld>
+    <p:spTree>
+      <p:nvGrpSpPr>
+        <p:cNvPr id="1" name=""/>
+        <p:cNvGrpSpPr/>
+        <p:nvPr/>
+      </p:nvGrpSpPr>
+      <p:grpSpPr>
+        <a:xfrm>
+          <a:off x="0" y="0"/>
+          <a:ext cx="0" cy="0"/>
+          <a:chOff x="0" y="0"/>
+          <a:chExt cx="0" cy="0"/>
+        </a:xfrm>
+      </p:grpSpPr>
+      <p:sp>
+        <p:nvSpPr>
+          <p:cNvPr id="2" name="Title 1"/>
+          <p:cNvSpPr>
+            <a:spLocks noGrp="1"/>
+          </p:cNvSpPr>
+          <p:nvPr>
+            <p:ph type="title"/>
+          </p:nvPr>
+        </p:nvSpPr>
+        <p:spPr/>
+        <p:txBody>
+          <a:bodyPr/>
+          <a:lstStyle/>
+          <a:p>
+            <a:r>
+              <a:rPr lang="en-US" dirty="0" smtClean="0"/>
+              <a:t>Use Tool </a:t>
+            </a:r>
+            <a:r>
+              <a:rPr lang="en-US" dirty="0" err="1" smtClean="0"/>
+              <a:t>cont’l</a:t>
+            </a:r>
+            <a:endParaRPr lang="en-US" dirty="0"/>
+          </a:p>
+        </p:txBody>
+      </p:sp>
+      <p:sp>
+        <p:nvSpPr>
+          <p:cNvPr id="3" name="Content Placeholder 2"/>
+          <p:cNvSpPr>
+            <a:spLocks noGrp="1"/>
+          </p:cNvSpPr>
+          <p:nvPr>
+            <p:ph idx="1"/>
+          </p:nvPr>
+        </p:nvSpPr>
+        <p:spPr/>
+        <p:txBody>
+          <a:bodyPr/>
+          <a:lstStyle/>
+          <a:p>
+            <a:r>
+              <a:rPr lang="en-US" dirty="0"/>
+              <a:t>Inside directory they are 2 graphs</a:t>
+            </a:r>
+          </a:p>
+          <a:p>
+            <a:pPr lvl="1"/>
+            <a:r>
+              <a:rPr lang="en-US" dirty="0"/>
+              <a:t>Naivebayes.png</a:t>
+            </a:r>
+          </a:p>
+          <a:p>
+            <a:pPr lvl="1"/>
+            <a:r>
+              <a:rPr lang="en-US" dirty="0"/>
+              <a:t>LinearSVC.png</a:t>
+            </a:r>
+          </a:p>
+          <a:p>
+            <a:r>
+              <a:rPr lang="en-US" dirty="0" smtClean="0"/>
+              <a:t>These graphs are bar graphs</a:t>
+            </a:r>
+          </a:p>
+          <a:p>
+            <a:pPr lvl="1"/>
+            <a:r>
+              <a:rPr lang="en-US" dirty="0" smtClean="0"/>
+              <a:t>They graph Service in Red and Goods in Blue</a:t>
+            </a:r>
+            <a:endParaRPr lang="en-US" dirty="0"/>
+          </a:p>
+          <a:p>
+            <a:pPr lvl="1"/>
+            <a:r>
+              <a:rPr lang="en-US" dirty="0" smtClean="0"/>
+              <a:t>Star rating vs number of comment</a:t>
+            </a:r>
+          </a:p>
+          <a:p>
+            <a:pPr lvl="1"/>
+            <a:r>
+              <a:rPr lang="en-US" dirty="0" smtClean="0"/>
+              <a:t>This graph help the business if they are excelling in one category on a star rating level</a:t>
+            </a:r>
+          </a:p>
+          <a:p>
+            <a:pPr lvl="1"/>
+            <a:endParaRPr lang="en-US" dirty="0" smtClean="0"/>
+          </a:p>
+        </p:txBody>
+      </p:sp>
+    </p:spTree>
+    <p:extLst>
+      <p:ext uri="{BB962C8B-B14F-4D97-AF65-F5344CB8AC3E}">
+        <p14:creationId xmlns:p14="http://schemas.microsoft.com/office/powerpoint/2010/main" val="347860124"/>
+      </p:ext>
+    </p:extLst>
+  </p:cSld>
+  <p:clrMapOvr>
+    <a:masterClrMapping/>
+  </p:clrMapOvr>
+</p:sld>
+</file>
+
+<file path=ppt/slides/slide12.xml><?xml version="1.0" encoding="utf-8"?>
+<p:sld xmlns:a="http://schemas.openxmlformats.org/drawingml/2006/main" xmlns:r="http://schemas.openxmlformats.org/officeDocument/2006/relationships" xmlns:p="http://schemas.openxmlformats.org/presentationml/2006/main">
+  <p:cSld>
+    <p:spTree>
+      <p:nvGrpSpPr>
+        <p:cNvPr id="1" name=""/>
+        <p:cNvGrpSpPr/>
+        <p:nvPr/>
+      </p:nvGrpSpPr>
+      <p:grpSpPr>
+        <a:xfrm>
+          <a:off x="0" y="0"/>
+          <a:ext cx="0" cy="0"/>
+          <a:chOff x="0" y="0"/>
+          <a:chExt cx="0" cy="0"/>
+        </a:xfrm>
+      </p:grpSpPr>
+      <p:sp>
+        <p:nvSpPr>
+          <p:cNvPr id="2" name="Title 1"/>
+          <p:cNvSpPr>
+            <a:spLocks noGrp="1"/>
+          </p:cNvSpPr>
+          <p:nvPr>
+            <p:ph type="title"/>
+          </p:nvPr>
+        </p:nvSpPr>
+        <p:spPr/>
+        <p:txBody>
+          <a:bodyPr/>
+          <a:lstStyle/>
+          <a:p>
+            <a:r>
+              <a:rPr lang="en-US" dirty="0" smtClean="0"/>
+              <a:t>Example</a:t>
+            </a:r>
+            <a:endParaRPr lang="en-US" dirty="0"/>
+          </a:p>
+        </p:txBody>
+      </p:sp>
+      <p:sp>
+        <p:nvSpPr>
+          <p:cNvPr id="3" name="Content Placeholder 2"/>
+          <p:cNvSpPr>
+            <a:spLocks noGrp="1"/>
+          </p:cNvSpPr>
+          <p:nvPr>
+            <p:ph idx="1"/>
+          </p:nvPr>
+        </p:nvSpPr>
+        <p:spPr/>
+        <p:txBody>
+          <a:bodyPr/>
+          <a:lstStyle/>
+          <a:p>
+            <a:r>
+              <a:rPr lang="en-US" dirty="0" smtClean="0"/>
+              <a:t>Tool preloaded demo</a:t>
+            </a:r>
+          </a:p>
+          <a:p>
+            <a:pPr lvl="1"/>
+            <a:r>
+              <a:rPr lang="en-US" dirty="0"/>
+              <a:t>$ python yelp_clean.py</a:t>
+            </a:r>
+          </a:p>
+          <a:p>
+            <a:pPr lvl="1"/>
+            <a:r>
+              <a:rPr lang="en-US" dirty="0"/>
+              <a:t>Terminal output:</a:t>
+            </a:r>
+          </a:p>
+          <a:p>
+            <a:pPr lvl="2"/>
+            <a:r>
+              <a:rPr lang="en-US" dirty="0"/>
+              <a:t>yelp_clean.py::starting</a:t>
+            </a:r>
+          </a:p>
+          <a:p>
+            <a:pPr lvl="2"/>
+            <a:r>
+              <a:rPr lang="en-US" dirty="0"/>
+              <a:t>yelp_clean.py::complete</a:t>
+            </a:r>
+          </a:p>
+          <a:p>
+            <a:pPr lvl="1"/>
+            <a:endParaRPr lang="en-US" dirty="0"/>
+          </a:p>
+        </p:txBody>
+      </p:sp>
+    </p:spTree>
+    <p:extLst>
+      <p:ext uri="{BB962C8B-B14F-4D97-AF65-F5344CB8AC3E}">
+        <p14:creationId xmlns:p14="http://schemas.microsoft.com/office/powerpoint/2010/main" val="3950024201"/>
+      </p:ext>
+    </p:extLst>
+  </p:cSld>
+  <p:clrMapOvr>
+    <a:masterClrMapping/>
+  </p:clrMapOvr>
+</p:sld>
+</file>
+
+<file path=ppt/slides/slide13.xml><?xml version="1.0" encoding="utf-8"?>
+<p:sld xmlns:a="http://schemas.openxmlformats.org/drawingml/2006/main" xmlns:r="http://schemas.openxmlformats.org/officeDocument/2006/relationships" xmlns:p="http://schemas.openxmlformats.org/presentationml/2006/main">
+  <p:cSld>
+    <p:spTree>
+      <p:nvGrpSpPr>
+        <p:cNvPr id="1" name=""/>
+        <p:cNvGrpSpPr/>
+        <p:nvPr/>
+      </p:nvGrpSpPr>
+      <p:grpSpPr>
+        <a:xfrm>
+          <a:off x="0" y="0"/>
+          <a:ext cx="0" cy="0"/>
+          <a:chOff x="0" y="0"/>
+          <a:chExt cx="0" cy="0"/>
+        </a:xfrm>
+      </p:grpSpPr>
+      <p:sp>
+        <p:nvSpPr>
+          <p:cNvPr id="2" name="Title 1"/>
+          <p:cNvSpPr>
+            <a:spLocks noGrp="1"/>
+          </p:cNvSpPr>
+          <p:nvPr>
+            <p:ph type="title"/>
+          </p:nvPr>
+        </p:nvSpPr>
+        <p:spPr/>
+        <p:txBody>
+          <a:bodyPr/>
+          <a:lstStyle/>
+          <a:p>
+            <a:r>
+              <a:rPr lang="en-US" dirty="0" smtClean="0"/>
+              <a:t>Example</a:t>
+            </a:r>
+            <a:endParaRPr lang="en-US" dirty="0"/>
+          </a:p>
+        </p:txBody>
+      </p:sp>
+      <p:sp>
+        <p:nvSpPr>
+          <p:cNvPr id="3" name="Content Placeholder 2"/>
+          <p:cNvSpPr>
+            <a:spLocks noGrp="1"/>
+          </p:cNvSpPr>
+          <p:nvPr>
+            <p:ph idx="1"/>
+          </p:nvPr>
+        </p:nvSpPr>
+        <p:spPr/>
+        <p:txBody>
+          <a:bodyPr>
+            <a:normAutofit fontScale="55000" lnSpcReduction="20000"/>
+          </a:bodyPr>
+          <a:lstStyle/>
+          <a:p>
+            <a:r>
+              <a:rPr lang="en-US" dirty="0"/>
+              <a:t>Tool preloaded demo</a:t>
+            </a:r>
+          </a:p>
+          <a:p>
+            <a:pPr lvl="1"/>
+            <a:r>
+              <a:rPr lang="en-US" dirty="0"/>
+              <a:t>$ python yelp_classify.py</a:t>
+            </a:r>
+          </a:p>
+          <a:p>
+            <a:pPr lvl="1"/>
+            <a:r>
+              <a:rPr lang="en-US" dirty="0" smtClean="0"/>
+              <a:t>Terminal </a:t>
+            </a:r>
+            <a:r>
+              <a:rPr lang="en-US" dirty="0"/>
+              <a:t>output:</a:t>
+            </a:r>
+          </a:p>
+          <a:p>
+            <a:pPr lvl="2"/>
+            <a:r>
+              <a:rPr lang="en-US" dirty="0"/>
+              <a:t>yelp_classify.py::</a:t>
+            </a:r>
+            <a:r>
+              <a:rPr lang="en-US" dirty="0" smtClean="0"/>
+              <a:t>starting</a:t>
+            </a:r>
+            <a:endParaRPr lang="en-US" dirty="0"/>
+          </a:p>
+          <a:p>
+            <a:pPr lvl="2"/>
+            <a:r>
+              <a:rPr lang="en-US" dirty="0"/>
+              <a:t>Context Classification</a:t>
+            </a:r>
+            <a:r>
+              <a:rPr lang="en-US" dirty="0" smtClean="0"/>
+              <a:t>:</a:t>
+            </a:r>
+            <a:endParaRPr lang="en-US" dirty="0"/>
+          </a:p>
+          <a:p>
+            <a:pPr lvl="2"/>
+            <a:r>
+              <a:rPr lang="en-US" dirty="0"/>
+              <a:t>('Naive Bayes Classifier accuracy: ', 0.68)</a:t>
+            </a:r>
+          </a:p>
+          <a:p>
+            <a:pPr lvl="2"/>
+            <a:r>
+              <a:rPr lang="en-US" dirty="0"/>
+              <a:t>('Precision of goods:', 0.3625)</a:t>
+            </a:r>
+          </a:p>
+          <a:p>
+            <a:pPr lvl="2"/>
+            <a:r>
+              <a:rPr lang="en-US" dirty="0"/>
+              <a:t>('Recall of goods:', 0.7467811158798283)</a:t>
+            </a:r>
+          </a:p>
+          <a:p>
+            <a:pPr lvl="2"/>
+            <a:r>
+              <a:rPr lang="en-US" dirty="0"/>
+              <a:t>('</a:t>
+            </a:r>
+            <a:r>
+              <a:rPr lang="en-US" dirty="0" err="1"/>
+              <a:t>Fmeasure</a:t>
+            </a:r>
+            <a:r>
+              <a:rPr lang="en-US" dirty="0"/>
+              <a:t> of goods:', 0.4880785413744741)</a:t>
+            </a:r>
+          </a:p>
+          <a:p>
+            <a:pPr lvl="2"/>
+            <a:r>
+              <a:rPr lang="en-US" dirty="0"/>
+              <a:t>('Precision of service:', 0.33059548254620125)</a:t>
+            </a:r>
+          </a:p>
+          <a:p>
+            <a:pPr lvl="2"/>
+            <a:r>
+              <a:rPr lang="en-US" dirty="0"/>
+              <a:t>('Recall of service:', 0.7666666666666667)</a:t>
+            </a:r>
+          </a:p>
+          <a:p>
+            <a:pPr lvl="2"/>
+            <a:r>
+              <a:rPr lang="en-US" dirty="0"/>
+              <a:t>('</a:t>
+            </a:r>
+            <a:r>
+              <a:rPr lang="en-US" dirty="0" err="1"/>
+              <a:t>Fmeasure</a:t>
+            </a:r>
+            <a:r>
+              <a:rPr lang="en-US" dirty="0"/>
+              <a:t> of service:', 0.4619799139167862)</a:t>
+            </a:r>
+          </a:p>
+          <a:p>
+            <a:pPr lvl="2"/>
+            <a:endParaRPr lang="en-US" dirty="0"/>
+          </a:p>
+          <a:p>
+            <a:pPr lvl="2"/>
+            <a:r>
+              <a:rPr lang="en-US" dirty="0"/>
+              <a:t>('</a:t>
+            </a:r>
+            <a:r>
+              <a:rPr lang="en-US" dirty="0" err="1"/>
+              <a:t>LinearSVC</a:t>
+            </a:r>
+            <a:r>
+              <a:rPr lang="en-US" dirty="0"/>
+              <a:t> Classifier accuracy:', 0.6571428571428571)</a:t>
+            </a:r>
+          </a:p>
+          <a:p>
+            <a:pPr lvl="2"/>
+            <a:r>
+              <a:rPr lang="en-US" dirty="0"/>
+              <a:t>('Precision of goods:', 0.33689024390243905)</a:t>
+            </a:r>
+          </a:p>
+          <a:p>
+            <a:pPr lvl="2"/>
+            <a:r>
+              <a:rPr lang="en-US" dirty="0"/>
+              <a:t>('Recall of goods:', 0.9484978540772532)</a:t>
+            </a:r>
+          </a:p>
+          <a:p>
+            <a:pPr lvl="2"/>
+            <a:r>
+              <a:rPr lang="en-US" dirty="0"/>
+              <a:t>('</a:t>
+            </a:r>
+            <a:r>
+              <a:rPr lang="en-US" dirty="0" err="1"/>
+              <a:t>Fmeasure</a:t>
+            </a:r>
+            <a:r>
+              <a:rPr lang="en-US" dirty="0"/>
+              <a:t> of goods:', 0.4971878515185602)</a:t>
+            </a:r>
+          </a:p>
+          <a:p>
+            <a:pPr lvl="2"/>
+            <a:r>
+              <a:rPr lang="en-US" dirty="0"/>
+              <a:t>('Precision of service:', 0.30579964850615116)</a:t>
+            </a:r>
+          </a:p>
+          <a:p>
+            <a:pPr lvl="2"/>
+            <a:r>
+              <a:rPr lang="en-US" dirty="0"/>
+              <a:t>('Recall of service:', 0.8285714285714286)</a:t>
+            </a:r>
+          </a:p>
+          <a:p>
+            <a:pPr lvl="2"/>
+            <a:r>
+              <a:rPr lang="en-US" dirty="0"/>
+              <a:t>('</a:t>
+            </a:r>
+            <a:r>
+              <a:rPr lang="en-US" dirty="0" err="1"/>
+              <a:t>Fmeasure</a:t>
+            </a:r>
+            <a:r>
+              <a:rPr lang="en-US" dirty="0"/>
+              <a:t> of service:', 0.4467265725288832)</a:t>
+            </a:r>
+          </a:p>
+          <a:p>
+            <a:pPr lvl="2"/>
+            <a:endParaRPr lang="en-US" dirty="0" smtClean="0"/>
+          </a:p>
+          <a:p>
+            <a:endParaRPr lang="en-US" dirty="0"/>
+          </a:p>
+        </p:txBody>
+      </p:sp>
+    </p:spTree>
+    <p:extLst>
+      <p:ext uri="{BB962C8B-B14F-4D97-AF65-F5344CB8AC3E}">
+        <p14:creationId xmlns:p14="http://schemas.microsoft.com/office/powerpoint/2010/main" val="3571253034"/>
+      </p:ext>
+    </p:extLst>
+  </p:cSld>
+  <p:clrMapOvr>
+    <a:masterClrMapping/>
+  </p:clrMapOvr>
+</p:sld>
+</file>
+
+<file path=ppt/slides/slide14.xml><?xml version="1.0" encoding="utf-8"?>
+<p:sld xmlns:a="http://schemas.openxmlformats.org/drawingml/2006/main" xmlns:r="http://schemas.openxmlformats.org/officeDocument/2006/relationships" xmlns:p="http://schemas.openxmlformats.org/presentationml/2006/main">
+  <p:cSld>
+    <p:spTree>
+      <p:nvGrpSpPr>
+        <p:cNvPr id="1" name=""/>
+        <p:cNvGrpSpPr/>
+        <p:nvPr/>
+      </p:nvGrpSpPr>
+      <p:grpSpPr>
+        <a:xfrm>
+          <a:off x="0" y="0"/>
+          <a:ext cx="0" cy="0"/>
+          <a:chOff x="0" y="0"/>
+          <a:chExt cx="0" cy="0"/>
+        </a:xfrm>
+      </p:grpSpPr>
+      <p:sp>
+        <p:nvSpPr>
+          <p:cNvPr id="2" name="Title 1"/>
+          <p:cNvSpPr>
+            <a:spLocks noGrp="1"/>
+          </p:cNvSpPr>
+          <p:nvPr>
+            <p:ph type="title"/>
+          </p:nvPr>
+        </p:nvSpPr>
+        <p:spPr/>
+        <p:txBody>
+          <a:bodyPr/>
+          <a:lstStyle/>
+          <a:p>
+            <a:r>
+              <a:rPr lang="en-US" dirty="0" smtClean="0"/>
+              <a:t>Example</a:t>
+            </a:r>
+            <a:endParaRPr lang="en-US" dirty="0"/>
+          </a:p>
+        </p:txBody>
+      </p:sp>
+      <p:sp>
+        <p:nvSpPr>
+          <p:cNvPr id="3" name="Content Placeholder 2"/>
+          <p:cNvSpPr>
+            <a:spLocks noGrp="1"/>
+          </p:cNvSpPr>
+          <p:nvPr>
+            <p:ph idx="1"/>
+          </p:nvPr>
+        </p:nvSpPr>
+        <p:spPr/>
+        <p:txBody>
+          <a:bodyPr>
+            <a:normAutofit fontScale="40000" lnSpcReduction="20000"/>
+          </a:bodyPr>
+          <a:lstStyle/>
+          <a:p>
+            <a:r>
+              <a:rPr lang="en-US" dirty="0"/>
+              <a:t>Tool preloaded demo</a:t>
+            </a:r>
+          </a:p>
+          <a:p>
+            <a:pPr lvl="1"/>
+            <a:r>
+              <a:rPr lang="en-US" dirty="0" smtClean="0"/>
+              <a:t>Terminal </a:t>
+            </a:r>
+            <a:r>
+              <a:rPr lang="en-US" dirty="0"/>
+              <a:t>output</a:t>
+            </a:r>
+            <a:r>
+              <a:rPr lang="en-US" dirty="0" smtClean="0"/>
+              <a:t>:</a:t>
+            </a:r>
+          </a:p>
+          <a:p>
+            <a:pPr lvl="2"/>
+            <a:r>
+              <a:rPr lang="en-US" dirty="0"/>
+              <a:t>Sentiment Analysis</a:t>
+            </a:r>
+            <a:r>
+              <a:rPr lang="en-US" dirty="0" smtClean="0"/>
+              <a:t>:</a:t>
+            </a:r>
+            <a:endParaRPr lang="en-US" dirty="0"/>
+          </a:p>
+          <a:p>
+            <a:pPr lvl="2"/>
+            <a:r>
+              <a:rPr lang="en-US" dirty="0"/>
+              <a:t>('Naive Bayes Classifier accuracy: ', 0.662)</a:t>
+            </a:r>
+          </a:p>
+          <a:p>
+            <a:pPr lvl="2"/>
+            <a:r>
+              <a:rPr lang="en-US" dirty="0"/>
+              <a:t>('Precision of </a:t>
+            </a:r>
+            <a:r>
+              <a:rPr lang="en-US" dirty="0" err="1"/>
+              <a:t>pos</a:t>
+            </a:r>
+            <a:r>
+              <a:rPr lang="en-US" dirty="0"/>
+              <a:t>:', 0.8091397849462365)</a:t>
+            </a:r>
+          </a:p>
+          <a:p>
+            <a:pPr lvl="2"/>
+            <a:r>
+              <a:rPr lang="en-US" dirty="0"/>
+              <a:t>('Recall of </a:t>
+            </a:r>
+            <a:r>
+              <a:rPr lang="en-US" dirty="0" err="1"/>
+              <a:t>pos</a:t>
+            </a:r>
+            <a:r>
+              <a:rPr lang="en-US" dirty="0"/>
+              <a:t>:', 0.8918518518518519)</a:t>
+            </a:r>
+          </a:p>
+          <a:p>
+            <a:pPr lvl="2"/>
+            <a:r>
+              <a:rPr lang="en-US" dirty="0"/>
+              <a:t>('</a:t>
+            </a:r>
+            <a:r>
+              <a:rPr lang="en-US" dirty="0" err="1"/>
+              <a:t>Fmeasure</a:t>
+            </a:r>
+            <a:r>
+              <a:rPr lang="en-US" dirty="0"/>
+              <a:t> of </a:t>
+            </a:r>
+            <a:r>
+              <a:rPr lang="en-US" dirty="0" err="1"/>
+              <a:t>pos</a:t>
+            </a:r>
+            <a:r>
+              <a:rPr lang="en-US" dirty="0"/>
+              <a:t>:', 0.8484848484848485)</a:t>
+            </a:r>
+          </a:p>
+          <a:p>
+            <a:pPr lvl="2"/>
+            <a:r>
+              <a:rPr lang="en-US" dirty="0"/>
+              <a:t>('Precision of </a:t>
+            </a:r>
+            <a:r>
+              <a:rPr lang="en-US" dirty="0" err="1"/>
+              <a:t>neu</a:t>
+            </a:r>
+            <a:r>
+              <a:rPr lang="en-US" dirty="0"/>
+              <a:t>:', 0.6320754716981132)</a:t>
+            </a:r>
+          </a:p>
+          <a:p>
+            <a:pPr lvl="2"/>
+            <a:r>
+              <a:rPr lang="en-US" dirty="0"/>
+              <a:t>('Recall of </a:t>
+            </a:r>
+            <a:r>
+              <a:rPr lang="en-US" dirty="0" err="1"/>
+              <a:t>neu</a:t>
+            </a:r>
+            <a:r>
+              <a:rPr lang="en-US" dirty="0"/>
+              <a:t>:', 0.4557823129251701)</a:t>
+            </a:r>
+          </a:p>
+          <a:p>
+            <a:pPr lvl="2"/>
+            <a:r>
+              <a:rPr lang="en-US" dirty="0"/>
+              <a:t>('</a:t>
+            </a:r>
+            <a:r>
+              <a:rPr lang="en-US" dirty="0" err="1"/>
+              <a:t>Fmeasure</a:t>
+            </a:r>
+            <a:r>
+              <a:rPr lang="en-US" dirty="0"/>
+              <a:t> of </a:t>
+            </a:r>
+            <a:r>
+              <a:rPr lang="en-US" dirty="0" err="1"/>
+              <a:t>neu</a:t>
+            </a:r>
+            <a:r>
+              <a:rPr lang="en-US" dirty="0"/>
+              <a:t>:', 0.5296442687747036)</a:t>
+            </a:r>
+          </a:p>
+          <a:p>
+            <a:pPr lvl="2"/>
+            <a:r>
+              <a:rPr lang="en-US" dirty="0"/>
+              <a:t>('Precision of </a:t>
+            </a:r>
+            <a:r>
+              <a:rPr lang="en-US" dirty="0" err="1"/>
+              <a:t>neg</a:t>
+            </a:r>
+            <a:r>
+              <a:rPr lang="en-US" dirty="0"/>
+              <a:t>:', 0.7)</a:t>
+            </a:r>
+          </a:p>
+          <a:p>
+            <a:pPr lvl="2"/>
+            <a:r>
+              <a:rPr lang="en-US" dirty="0"/>
+              <a:t>('Recall of </a:t>
+            </a:r>
+            <a:r>
+              <a:rPr lang="en-US" dirty="0" err="1"/>
+              <a:t>neg</a:t>
+            </a:r>
+            <a:r>
+              <a:rPr lang="en-US" dirty="0"/>
+              <a:t>:', 0.5898876404494382)</a:t>
+            </a:r>
+          </a:p>
+          <a:p>
+            <a:pPr lvl="2"/>
+            <a:r>
+              <a:rPr lang="en-US" dirty="0"/>
+              <a:t>('</a:t>
+            </a:r>
+            <a:r>
+              <a:rPr lang="en-US" dirty="0" err="1"/>
+              <a:t>Fmeasure</a:t>
+            </a:r>
+            <a:r>
+              <a:rPr lang="en-US" dirty="0"/>
+              <a:t> of </a:t>
+            </a:r>
+            <a:r>
+              <a:rPr lang="en-US" dirty="0" err="1"/>
+              <a:t>neg</a:t>
+            </a:r>
+            <a:r>
+              <a:rPr lang="en-US" dirty="0"/>
+              <a:t>:', 0.6402439024390244)</a:t>
+            </a:r>
+          </a:p>
+          <a:p>
+            <a:pPr marL="704088" lvl="2" indent="0">
+              <a:buNone/>
+            </a:pPr>
+            <a:endParaRPr lang="en-US" dirty="0"/>
+          </a:p>
+          <a:p>
+            <a:pPr lvl="2"/>
+            <a:r>
+              <a:rPr lang="en-US" dirty="0"/>
+              <a:t>('</a:t>
+            </a:r>
+            <a:r>
+              <a:rPr lang="en-US" dirty="0" err="1"/>
+              <a:t>LinearSVC</a:t>
+            </a:r>
+            <a:r>
+              <a:rPr lang="en-US" dirty="0"/>
+              <a:t> Classifier accuracy:', 0.664)</a:t>
+            </a:r>
+          </a:p>
+          <a:p>
+            <a:pPr lvl="2"/>
+            <a:r>
+              <a:rPr lang="en-US" dirty="0"/>
+              <a:t>('Precision of </a:t>
+            </a:r>
+            <a:r>
+              <a:rPr lang="en-US" dirty="0" err="1"/>
+              <a:t>pos</a:t>
+            </a:r>
+            <a:r>
+              <a:rPr lang="en-US" dirty="0"/>
+              <a:t>:', 0.8121059268600253)</a:t>
+            </a:r>
+          </a:p>
+          <a:p>
+            <a:pPr lvl="2"/>
+            <a:r>
+              <a:rPr lang="en-US" dirty="0"/>
+              <a:t>('Recall of </a:t>
+            </a:r>
+            <a:r>
+              <a:rPr lang="en-US" dirty="0" err="1"/>
+              <a:t>pos</a:t>
+            </a:r>
+            <a:r>
+              <a:rPr lang="en-US" dirty="0"/>
+              <a:t>:', 0.9540740740740741)</a:t>
+            </a:r>
+          </a:p>
+          <a:p>
+            <a:pPr lvl="2"/>
+            <a:r>
+              <a:rPr lang="en-US" dirty="0"/>
+              <a:t>('</a:t>
+            </a:r>
+            <a:r>
+              <a:rPr lang="en-US" dirty="0" err="1"/>
+              <a:t>Fmeasure</a:t>
+            </a:r>
+            <a:r>
+              <a:rPr lang="en-US" dirty="0"/>
+              <a:t> of </a:t>
+            </a:r>
+            <a:r>
+              <a:rPr lang="en-US" dirty="0" err="1"/>
+              <a:t>pos</a:t>
+            </a:r>
+            <a:r>
+              <a:rPr lang="en-US" dirty="0"/>
+              <a:t>:', 0.8773841961852861)</a:t>
+            </a:r>
+          </a:p>
+          <a:p>
+            <a:pPr lvl="2"/>
+            <a:r>
+              <a:rPr lang="en-US" dirty="0"/>
+              <a:t>('Precision of </a:t>
+            </a:r>
+            <a:r>
+              <a:rPr lang="en-US" dirty="0" err="1"/>
+              <a:t>neu</a:t>
+            </a:r>
+            <a:r>
+              <a:rPr lang="en-US" dirty="0"/>
+              <a:t>:', 0.5859872611464968)</a:t>
+            </a:r>
+          </a:p>
+          <a:p>
+            <a:pPr lvl="2"/>
+            <a:r>
+              <a:rPr lang="en-US" dirty="0"/>
+              <a:t>('Recall of </a:t>
+            </a:r>
+            <a:r>
+              <a:rPr lang="en-US" dirty="0" err="1"/>
+              <a:t>neu</a:t>
+            </a:r>
+            <a:r>
+              <a:rPr lang="en-US" dirty="0"/>
+              <a:t>:', 0.6258503401360545)</a:t>
+            </a:r>
+          </a:p>
+          <a:p>
+            <a:pPr lvl="2"/>
+            <a:r>
+              <a:rPr lang="en-US" dirty="0"/>
+              <a:t>('</a:t>
+            </a:r>
+            <a:r>
+              <a:rPr lang="en-US" dirty="0" err="1"/>
+              <a:t>Fmeasure</a:t>
+            </a:r>
+            <a:r>
+              <a:rPr lang="en-US" dirty="0"/>
+              <a:t> of </a:t>
+            </a:r>
+            <a:r>
+              <a:rPr lang="en-US" dirty="0" err="1"/>
+              <a:t>neu</a:t>
+            </a:r>
+            <a:r>
+              <a:rPr lang="en-US" dirty="0"/>
+              <a:t>:', 0.6052631578947368)</a:t>
+            </a:r>
+          </a:p>
+          <a:p>
+            <a:pPr lvl="2"/>
+            <a:r>
+              <a:rPr lang="en-US" dirty="0"/>
+              <a:t>('Precision of </a:t>
+            </a:r>
+            <a:r>
+              <a:rPr lang="en-US" dirty="0" err="1"/>
+              <a:t>neg</a:t>
+            </a:r>
+            <a:r>
+              <a:rPr lang="en-US" dirty="0"/>
+              <a:t>:', 0.6388888888888888)</a:t>
+            </a:r>
+          </a:p>
+          <a:p>
+            <a:pPr lvl="2"/>
+            <a:r>
+              <a:rPr lang="en-US" dirty="0"/>
+              <a:t>('Recall of </a:t>
+            </a:r>
+            <a:r>
+              <a:rPr lang="en-US" dirty="0" err="1"/>
+              <a:t>neg</a:t>
+            </a:r>
+            <a:r>
+              <a:rPr lang="en-US" dirty="0"/>
+              <a:t>:', 0.7752808988764045)</a:t>
+            </a:r>
+          </a:p>
+          <a:p>
+            <a:pPr lvl="2"/>
+            <a:r>
+              <a:rPr lang="en-US" dirty="0"/>
+              <a:t>('</a:t>
+            </a:r>
+            <a:r>
+              <a:rPr lang="en-US" dirty="0" err="1"/>
+              <a:t>Fmeasure</a:t>
+            </a:r>
+            <a:r>
+              <a:rPr lang="en-US" dirty="0"/>
+              <a:t> of </a:t>
+            </a:r>
+            <a:r>
+              <a:rPr lang="en-US" dirty="0" err="1"/>
+              <a:t>neg</a:t>
+            </a:r>
+            <a:r>
+              <a:rPr lang="en-US" dirty="0"/>
+              <a:t>:', 0.700507614213198)</a:t>
+            </a:r>
+          </a:p>
+          <a:p>
+            <a:pPr lvl="2"/>
+            <a:endParaRPr lang="en-US" dirty="0"/>
+          </a:p>
+          <a:p>
+            <a:pPr lvl="2"/>
+            <a:r>
+              <a:rPr lang="en-US" dirty="0"/>
+              <a:t>yelp_classify.py::</a:t>
+            </a:r>
+            <a:r>
+              <a:rPr lang="en-US" dirty="0" smtClean="0"/>
+              <a:t>completed</a:t>
+            </a:r>
+            <a:endParaRPr lang="en-US" dirty="0"/>
+          </a:p>
+        </p:txBody>
+      </p:sp>
+    </p:spTree>
+    <p:extLst>
+      <p:ext uri="{BB962C8B-B14F-4D97-AF65-F5344CB8AC3E}">
+        <p14:creationId xmlns:p14="http://schemas.microsoft.com/office/powerpoint/2010/main" val="1648214478"/>
+      </p:ext>
+    </p:extLst>
+  </p:cSld>
+  <p:clrMapOvr>
+    <a:masterClrMapping/>
+  </p:clrMapOvr>
+</p:sld>
+</file>
+
+<file path=ppt/slides/slide15.xml><?xml version="1.0" encoding="utf-8"?>
+<p:sld xmlns:a="http://schemas.openxmlformats.org/drawingml/2006/main" xmlns:r="http://schemas.openxmlformats.org/officeDocument/2006/relationships" xmlns:p="http://schemas.openxmlformats.org/presentationml/2006/main">
+  <p:cSld>
+    <p:spTree>
+      <p:nvGrpSpPr>
+        <p:cNvPr id="1" name=""/>
+        <p:cNvGrpSpPr/>
+        <p:nvPr/>
+      </p:nvGrpSpPr>
+      <p:grpSpPr>
+        <a:xfrm>
+          <a:off x="0" y="0"/>
+          <a:ext cx="0" cy="0"/>
+          <a:chOff x="0" y="0"/>
+          <a:chExt cx="0" cy="0"/>
+        </a:xfrm>
+      </p:grpSpPr>
+      <p:sp>
+        <p:nvSpPr>
+          <p:cNvPr id="2" name="Title 1"/>
+          <p:cNvSpPr>
+            <a:spLocks noGrp="1"/>
+          </p:cNvSpPr>
+          <p:nvPr>
+            <p:ph type="title"/>
+          </p:nvPr>
+        </p:nvSpPr>
+        <p:spPr/>
+        <p:txBody>
+          <a:bodyPr/>
+          <a:lstStyle/>
+          <a:p>
+            <a:r>
+              <a:rPr lang="en-US" dirty="0" smtClean="0"/>
+              <a:t>Naïve Bayes Graph Output</a:t>
+            </a:r>
+            <a:endParaRPr lang="en-US" dirty="0"/>
+          </a:p>
+        </p:txBody>
+      </p:sp>
+      <p:pic>
+        <p:nvPicPr>
+          <p:cNvPr id="1026" name="Picture 2" descr="C:\Users\imonterrubio\Documents\GitHub\CS410-Project\naivebayes.png"/>
+          <p:cNvPicPr>
+            <a:picLocks noChangeAspect="1" noChangeArrowheads="1"/>
+          </p:cNvPicPr>
+          <p:nvPr/>
+        </p:nvPicPr>
+        <p:blipFill>
+          <a:blip r:embed="rId2">
+            <a:extLst>
+              <a:ext uri="{28A0092B-C50C-407E-A947-70E740481C1C}">
+                <a14:useLocalDpi xmlns:a14="http://schemas.microsoft.com/office/drawing/2010/main" val="0"/>
+              </a:ext>
+            </a:extLst>
+          </a:blip>
+          <a:srcRect/>
+          <a:stretch>
+            <a:fillRect/>
+          </a:stretch>
+        </p:blipFill>
+        <p:spPr bwMode="auto">
+          <a:xfrm>
+            <a:off x="1600912" y="2212649"/>
+            <a:ext cx="5851525" cy="4389437"/>
+          </a:xfrm>
+          <a:prstGeom prst="rect">
+            <a:avLst/>
+          </a:prstGeom>
+          <a:noFill/>
+          <a:extLst>
+            <a:ext uri="{909E8E84-426E-40DD-AFC4-6F175D3DCCD1}">
+              <a14:hiddenFill xmlns:a14="http://schemas.microsoft.com/office/drawing/2010/main">
+                <a:solidFill>
+                  <a:srgbClr val="FFFFFF"/>
+                </a:solidFill>
+              </a14:hiddenFill>
+            </a:ext>
+          </a:extLst>
+        </p:spPr>
+      </p:pic>
+    </p:spTree>
+    <p:extLst>
+      <p:ext uri="{BB962C8B-B14F-4D97-AF65-F5344CB8AC3E}">
+        <p14:creationId xmlns:p14="http://schemas.microsoft.com/office/powerpoint/2010/main" val="3382541558"/>
+      </p:ext>
+    </p:extLst>
+  </p:cSld>
+  <p:clrMapOvr>
+    <a:masterClrMapping/>
+  </p:clrMapOvr>
+</p:sld>
+</file>
+
+<file path=ppt/slides/slide16.xml><?xml version="1.0" encoding="utf-8"?>
+<p:sld xmlns:a="http://schemas.openxmlformats.org/drawingml/2006/main" xmlns:r="http://schemas.openxmlformats.org/officeDocument/2006/relationships" xmlns:p="http://schemas.openxmlformats.org/presentationml/2006/main">
+  <p:cSld>
+    <p:spTree>
+      <p:nvGrpSpPr>
+        <p:cNvPr id="1" name=""/>
+        <p:cNvGrpSpPr/>
+        <p:nvPr/>
+      </p:nvGrpSpPr>
+      <p:grpSpPr>
+        <a:xfrm>
+          <a:off x="0" y="0"/>
+          <a:ext cx="0" cy="0"/>
+          <a:chOff x="0" y="0"/>
+          <a:chExt cx="0" cy="0"/>
+        </a:xfrm>
+      </p:grpSpPr>
+      <p:sp>
+        <p:nvSpPr>
+          <p:cNvPr id="2" name="Title 1"/>
+          <p:cNvSpPr>
+            <a:spLocks noGrp="1"/>
+          </p:cNvSpPr>
+          <p:nvPr>
+            <p:ph type="title"/>
+          </p:nvPr>
+        </p:nvSpPr>
+        <p:spPr/>
+        <p:txBody>
+          <a:bodyPr/>
+          <a:lstStyle/>
+          <a:p>
+            <a:r>
+              <a:rPr lang="en-US" dirty="0" err="1" smtClean="0"/>
+              <a:t>LinearSVC</a:t>
+            </a:r>
+            <a:r>
+              <a:rPr lang="en-US" dirty="0" smtClean="0"/>
+              <a:t> Graph Output</a:t>
+            </a:r>
+            <a:endParaRPr lang="en-US" dirty="0"/>
+          </a:p>
+        </p:txBody>
+      </p:sp>
+      <p:pic>
+        <p:nvPicPr>
+          <p:cNvPr id="2050" name="Picture 2" descr="C:\Users\imonterrubio\Documents\GitHub\CS410-Project\LinearSVC.png"/>
+          <p:cNvPicPr>
+            <a:picLocks noChangeAspect="1" noChangeArrowheads="1"/>
+          </p:cNvPicPr>
+          <p:nvPr/>
+        </p:nvPicPr>
+        <p:blipFill>
+          <a:blip r:embed="rId2">
+            <a:extLst>
+              <a:ext uri="{28A0092B-C50C-407E-A947-70E740481C1C}">
+                <a14:useLocalDpi xmlns:a14="http://schemas.microsoft.com/office/drawing/2010/main" val="0"/>
+              </a:ext>
+            </a:extLst>
+          </a:blip>
+          <a:srcRect/>
+          <a:stretch>
+            <a:fillRect/>
+          </a:stretch>
+        </p:blipFill>
+        <p:spPr bwMode="auto">
+          <a:xfrm>
+            <a:off x="1600200" y="2057400"/>
+            <a:ext cx="5851525" cy="4389438"/>
+          </a:xfrm>
+          <a:prstGeom prst="rect">
+            <a:avLst/>
+          </a:prstGeom>
+          <a:noFill/>
+          <a:extLst>
+            <a:ext uri="{909E8E84-426E-40DD-AFC4-6F175D3DCCD1}">
+              <a14:hiddenFill xmlns:a14="http://schemas.microsoft.com/office/drawing/2010/main">
+                <a:solidFill>
+                  <a:srgbClr val="FFFFFF"/>
+                </a:solidFill>
+              </a14:hiddenFill>
+            </a:ext>
+          </a:extLst>
+        </p:spPr>
+      </p:pic>
+    </p:spTree>
+    <p:extLst>
+      <p:ext uri="{BB962C8B-B14F-4D97-AF65-F5344CB8AC3E}">
+        <p14:creationId xmlns:p14="http://schemas.microsoft.com/office/powerpoint/2010/main" val="1794006620"/>
+      </p:ext>
+    </p:extLst>
+  </p:cSld>
+  <p:clrMapOvr>
+    <a:masterClrMapping/>
+  </p:clrMapOvr>
+</p:sld>
+</file>
+
 <file path=ppt/slides/slide2.xml><?xml version="1.0" encoding="utf-8"?>
 <p:sld xmlns:a="http://schemas.openxmlformats.org/drawingml/2006/main" xmlns:r="http://schemas.openxmlformats.org/officeDocument/2006/relationships" xmlns:p="http://schemas.openxmlformats.org/presentationml/2006/main">
   <p:cSld>
@@ -4882,8 +6191,20 @@
             </a:r>
             <a:r>
               <a:rPr lang="en-US" dirty="0" smtClean="0"/>
-              <a:t> terminal:</a:t>
-            </a:r>
+              <a:t> terminal</a:t>
+            </a:r>
+            <a:r>
+              <a:rPr lang="en-US" dirty="0" smtClean="0"/>
+              <a:t>:</a:t>
+            </a:r>
+          </a:p>
+          <a:p>
+            <a:pPr lvl="1"/>
+            <a:r>
+              <a:rPr lang="en-US" dirty="0" smtClean="0"/>
+              <a:t>$ cd (user directory)/CS410-Project</a:t>
+            </a:r>
+            <a:endParaRPr lang="en-US" dirty="0" smtClean="0"/>
           </a:p>
           <a:p>
             <a:pPr lvl="1"/>
@@ -4994,7 +6315,81 @@
           <a:bodyPr/>
           <a:lstStyle/>
           <a:p>
+            <a:r>
+              <a:rPr lang="en-US" dirty="0" smtClean="0"/>
+              <a:t>Command line tool</a:t>
+            </a:r>
+          </a:p>
+          <a:p>
+            <a:r>
+              <a:rPr lang="en-US" dirty="0" smtClean="0"/>
+              <a:t>It broken up in 2 parts</a:t>
+            </a:r>
+          </a:p>
+          <a:p>
+            <a:pPr lvl="1"/>
+            <a:r>
+              <a:rPr lang="en-US" dirty="0" smtClean="0"/>
+              <a:t>yelp_clean.py</a:t>
+            </a:r>
+          </a:p>
+          <a:p>
+            <a:pPr lvl="2"/>
+            <a:r>
+              <a:rPr lang="en-US" dirty="0" smtClean="0"/>
+              <a:t>This script cleans and find the word distribution</a:t>
+            </a:r>
+          </a:p>
+          <a:p>
+            <a:pPr lvl="1"/>
+            <a:r>
+              <a:rPr lang="en-US" dirty="0" smtClean="0"/>
+              <a:t>yelp_classify.py</a:t>
+            </a:r>
+          </a:p>
+          <a:p>
+            <a:pPr lvl="2"/>
+            <a:r>
+              <a:rPr lang="en-US" dirty="0" smtClean="0"/>
+              <a:t>This script classifies the first 400 comments</a:t>
+            </a:r>
             <a:endParaRPr lang="en-US" dirty="0"/>
+          </a:p>
+          <a:p>
+            <a:r>
+              <a:rPr lang="en-US" dirty="0" smtClean="0"/>
+              <a:t>To change the reviews being entered</a:t>
+            </a:r>
+          </a:p>
+          <a:p>
+            <a:pPr lvl="1"/>
+            <a:r>
+              <a:rPr lang="en-US" dirty="0" smtClean="0"/>
+              <a:t>Change </a:t>
+            </a:r>
+            <a:r>
+              <a:rPr lang="en-US" dirty="0" err="1" smtClean="0"/>
+              <a:t>fname</a:t>
+            </a:r>
+            <a:r>
+              <a:rPr lang="en-US" dirty="0"/>
+              <a:t> </a:t>
+            </a:r>
+            <a:r>
+              <a:rPr lang="en-US" dirty="0" smtClean="0"/>
+              <a:t>variable in each file</a:t>
+            </a:r>
+          </a:p>
+          <a:p>
+            <a:pPr lvl="1"/>
+            <a:r>
+              <a:rPr lang="en-US" dirty="0" smtClean="0"/>
+              <a:t>File must contain a minimum of 1k comments</a:t>
+            </a:r>
+          </a:p>
+          <a:p>
+            <a:pPr lvl="1"/>
+            <a:endParaRPr lang="en-US" dirty="0" smtClean="0"/>
           </a:p>
         </p:txBody>
       </p:sp>
@@ -5002,6 +6397,143 @@
     <p:extLst>
       <p:ext uri="{BB962C8B-B14F-4D97-AF65-F5344CB8AC3E}">
         <p14:creationId xmlns:p14="http://schemas.microsoft.com/office/powerpoint/2010/main" val="1955091869"/>
+      </p:ext>
+    </p:extLst>
+  </p:cSld>
+  <p:clrMapOvr>
+    <a:masterClrMapping/>
+  </p:clrMapOvr>
+</p:sld>
+</file>
+
+<file path=ppt/slides/slide9.xml><?xml version="1.0" encoding="utf-8"?>
+<p:sld xmlns:a="http://schemas.openxmlformats.org/drawingml/2006/main" xmlns:r="http://schemas.openxmlformats.org/officeDocument/2006/relationships" xmlns:p="http://schemas.openxmlformats.org/presentationml/2006/main">
+  <p:cSld>
+    <p:spTree>
+      <p:nvGrpSpPr>
+        <p:cNvPr id="1" name=""/>
+        <p:cNvGrpSpPr/>
+        <p:nvPr/>
+      </p:nvGrpSpPr>
+      <p:grpSpPr>
+        <a:xfrm>
+          <a:off x="0" y="0"/>
+          <a:ext cx="0" cy="0"/>
+          <a:chOff x="0" y="0"/>
+          <a:chExt cx="0" cy="0"/>
+        </a:xfrm>
+      </p:grpSpPr>
+      <p:sp>
+        <p:nvSpPr>
+          <p:cNvPr id="2" name="Title 1"/>
+          <p:cNvSpPr>
+            <a:spLocks noGrp="1"/>
+          </p:cNvSpPr>
+          <p:nvPr>
+            <p:ph type="title"/>
+          </p:nvPr>
+        </p:nvSpPr>
+        <p:spPr/>
+        <p:txBody>
+          <a:bodyPr/>
+          <a:lstStyle/>
+          <a:p>
+            <a:r>
+              <a:rPr lang="en-US" dirty="0"/>
+              <a:t>Use </a:t>
+            </a:r>
+            <a:r>
+              <a:rPr lang="en-US" dirty="0" smtClean="0"/>
+              <a:t>Tool </a:t>
+            </a:r>
+            <a:r>
+              <a:rPr lang="en-US" dirty="0" err="1" smtClean="0"/>
+              <a:t>cont’l</a:t>
+            </a:r>
+            <a:endParaRPr lang="en-US" dirty="0"/>
+          </a:p>
+        </p:txBody>
+      </p:sp>
+      <p:sp>
+        <p:nvSpPr>
+          <p:cNvPr id="3" name="Content Placeholder 2"/>
+          <p:cNvSpPr>
+            <a:spLocks noGrp="1"/>
+          </p:cNvSpPr>
+          <p:nvPr>
+            <p:ph idx="1"/>
+          </p:nvPr>
+        </p:nvSpPr>
+        <p:spPr/>
+        <p:txBody>
+          <a:bodyPr/>
+          <a:lstStyle/>
+          <a:p>
+            <a:r>
+              <a:rPr lang="en-US" dirty="0" smtClean="0"/>
+              <a:t>Open Terminal</a:t>
+            </a:r>
+          </a:p>
+          <a:p>
+            <a:r>
+              <a:rPr lang="en-US" dirty="0" smtClean="0"/>
+              <a:t>Navigate to directory</a:t>
+            </a:r>
+          </a:p>
+          <a:p>
+            <a:pPr lvl="1"/>
+            <a:r>
+              <a:rPr lang="en-US" dirty="0" smtClean="0"/>
+              <a:t>$ cd </a:t>
+            </a:r>
+            <a:r>
+              <a:rPr lang="en-US" dirty="0"/>
+              <a:t>(user directory)/CS410-Project</a:t>
+            </a:r>
+          </a:p>
+          <a:p>
+            <a:pPr lvl="1"/>
+            <a:r>
+              <a:rPr lang="en-US" dirty="0" smtClean="0"/>
+              <a:t>$ python yelp_clean.py</a:t>
+            </a:r>
+          </a:p>
+          <a:p>
+            <a:pPr lvl="1"/>
+            <a:r>
+              <a:rPr lang="en-US" dirty="0" smtClean="0"/>
+              <a:t>Terminal output:</a:t>
+            </a:r>
+          </a:p>
+          <a:p>
+            <a:pPr lvl="2"/>
+            <a:r>
+              <a:rPr lang="en-US" dirty="0"/>
+              <a:t>yelp_clean.py::</a:t>
+            </a:r>
+            <a:r>
+              <a:rPr lang="en-US" dirty="0" smtClean="0"/>
+              <a:t>starting</a:t>
+            </a:r>
+            <a:endParaRPr lang="en-US" dirty="0"/>
+          </a:p>
+          <a:p>
+            <a:pPr lvl="2"/>
+            <a:r>
+              <a:rPr lang="en-US" dirty="0"/>
+              <a:t>yelp_clean.py::</a:t>
+            </a:r>
+            <a:r>
+              <a:rPr lang="en-US" dirty="0" smtClean="0"/>
+              <a:t>complete</a:t>
+            </a:r>
+          </a:p>
+        </p:txBody>
+      </p:sp>
+    </p:spTree>
+    <p:extLst>
+      <p:ext uri="{BB962C8B-B14F-4D97-AF65-F5344CB8AC3E}">
+        <p14:creationId xmlns:p14="http://schemas.microsoft.com/office/powerpoint/2010/main" val="3555742344"/>
       </p:ext>
     </p:extLst>
   </p:cSld>
